--- a/images/superwerker-architecture-diagram.pptx
+++ b/images/superwerker-architecture-diagram.pptx
@@ -6526,7 +6526,7 @@
         <p:spPr>
           <a:xfrm>
             <a:off x="3803938" y="2825163"/>
-            <a:ext cx="433904" cy="8138"/>
+            <a:ext cx="433904" cy="0"/>
           </a:xfrm>
           <a:prstGeom prst="straightConnector1">
             <a:avLst/>
